--- a/analysis/submitted_analyses/attentional_manipulations_fixationprocess.pptx
+++ b/analysis/submitted_analyses/attentional_manipulations_fixationprocess.pptx
@@ -243,7 +243,7 @@
           <a:p>
             <a:fld id="{CFC60B5F-2253-DF41-8690-61B53F1555CE}" type="datetimeFigureOut">
               <a:rPr lang="en-US" smtClean="0"/>
-              <a:t>1/29/24</a:t>
+              <a:t>6/14/24</a:t>
             </a:fld>
             <a:endParaRPr lang="en-US"/>
           </a:p>
@@ -413,7 +413,7 @@
           <a:p>
             <a:fld id="{CFC60B5F-2253-DF41-8690-61B53F1555CE}" type="datetimeFigureOut">
               <a:rPr lang="en-US" smtClean="0"/>
-              <a:t>1/29/24</a:t>
+              <a:t>6/14/24</a:t>
             </a:fld>
             <a:endParaRPr lang="en-US"/>
           </a:p>
@@ -593,7 +593,7 @@
           <a:p>
             <a:fld id="{CFC60B5F-2253-DF41-8690-61B53F1555CE}" type="datetimeFigureOut">
               <a:rPr lang="en-US" smtClean="0"/>
-              <a:t>1/29/24</a:t>
+              <a:t>6/14/24</a:t>
             </a:fld>
             <a:endParaRPr lang="en-US"/>
           </a:p>
@@ -763,7 +763,7 @@
           <a:p>
             <a:fld id="{CFC60B5F-2253-DF41-8690-61B53F1555CE}" type="datetimeFigureOut">
               <a:rPr lang="en-US" smtClean="0"/>
-              <a:t>1/29/24</a:t>
+              <a:t>6/14/24</a:t>
             </a:fld>
             <a:endParaRPr lang="en-US"/>
           </a:p>
@@ -1007,7 +1007,7 @@
           <a:p>
             <a:fld id="{CFC60B5F-2253-DF41-8690-61B53F1555CE}" type="datetimeFigureOut">
               <a:rPr lang="en-US" smtClean="0"/>
-              <a:t>1/29/24</a:t>
+              <a:t>6/14/24</a:t>
             </a:fld>
             <a:endParaRPr lang="en-US"/>
           </a:p>
@@ -1239,7 +1239,7 @@
           <a:p>
             <a:fld id="{CFC60B5F-2253-DF41-8690-61B53F1555CE}" type="datetimeFigureOut">
               <a:rPr lang="en-US" smtClean="0"/>
-              <a:t>1/29/24</a:t>
+              <a:t>6/14/24</a:t>
             </a:fld>
             <a:endParaRPr lang="en-US"/>
           </a:p>
@@ -1606,7 +1606,7 @@
           <a:p>
             <a:fld id="{CFC60B5F-2253-DF41-8690-61B53F1555CE}" type="datetimeFigureOut">
               <a:rPr lang="en-US" smtClean="0"/>
-              <a:t>1/29/24</a:t>
+              <a:t>6/14/24</a:t>
             </a:fld>
             <a:endParaRPr lang="en-US"/>
           </a:p>
@@ -1724,7 +1724,7 @@
           <a:p>
             <a:fld id="{CFC60B5F-2253-DF41-8690-61B53F1555CE}" type="datetimeFigureOut">
               <a:rPr lang="en-US" smtClean="0"/>
-              <a:t>1/29/24</a:t>
+              <a:t>6/14/24</a:t>
             </a:fld>
             <a:endParaRPr lang="en-US"/>
           </a:p>
@@ -1819,7 +1819,7 @@
           <a:p>
             <a:fld id="{CFC60B5F-2253-DF41-8690-61B53F1555CE}" type="datetimeFigureOut">
               <a:rPr lang="en-US" smtClean="0"/>
-              <a:t>1/29/24</a:t>
+              <a:t>6/14/24</a:t>
             </a:fld>
             <a:endParaRPr lang="en-US"/>
           </a:p>
@@ -2096,7 +2096,7 @@
           <a:p>
             <a:fld id="{CFC60B5F-2253-DF41-8690-61B53F1555CE}" type="datetimeFigureOut">
               <a:rPr lang="en-US" smtClean="0"/>
-              <a:t>1/29/24</a:t>
+              <a:t>6/14/24</a:t>
             </a:fld>
             <a:endParaRPr lang="en-US"/>
           </a:p>
@@ -2353,7 +2353,7 @@
           <a:p>
             <a:fld id="{CFC60B5F-2253-DF41-8690-61B53F1555CE}" type="datetimeFigureOut">
               <a:rPr lang="en-US" smtClean="0"/>
-              <a:t>1/29/24</a:t>
+              <a:t>6/14/24</a:t>
             </a:fld>
             <a:endParaRPr lang="en-US"/>
           </a:p>
@@ -2566,7 +2566,7 @@
           <a:p>
             <a:fld id="{CFC60B5F-2253-DF41-8690-61B53F1555CE}" type="datetimeFigureOut">
               <a:rPr lang="en-US" smtClean="0"/>
-              <a:t>1/29/24</a:t>
+              <a:t>6/14/24</a:t>
             </a:fld>
             <a:endParaRPr lang="en-US"/>
           </a:p>
@@ -2973,10 +2973,10 @@
       </p:grpSpPr>
       <p:pic>
         <p:nvPicPr>
-          <p:cNvPr id="18" name="Picture 17">
+          <p:cNvPr id="4" name="Picture 3">
             <a:extLst>
               <a:ext uri="{FF2B5EF4-FFF2-40B4-BE49-F238E27FC236}">
-                <a16:creationId xmlns:a16="http://schemas.microsoft.com/office/drawing/2014/main" id="{9F56CEFC-07A4-BFB9-056A-943BAEFD0333}"/>
+                <a16:creationId xmlns:a16="http://schemas.microsoft.com/office/drawing/2014/main" id="{5A2A49C3-37D7-F3D1-82F7-BA6FFD259BE9}"/>
               </a:ext>
             </a:extLst>
           </p:cNvPr>
@@ -2993,7 +2993,7 @@
         </p:blipFill>
         <p:spPr>
           <a:xfrm>
-            <a:off x="0" y="6217920"/>
+            <a:off x="0" y="0"/>
             <a:ext cx="7772400" cy="3108960"/>
           </a:xfrm>
           <a:prstGeom prst="rect">
@@ -3003,10 +3003,10 @@
       </p:pic>
       <p:pic>
         <p:nvPicPr>
-          <p:cNvPr id="20" name="Picture 19">
+          <p:cNvPr id="6" name="Picture 5">
             <a:extLst>
               <a:ext uri="{FF2B5EF4-FFF2-40B4-BE49-F238E27FC236}">
-                <a16:creationId xmlns:a16="http://schemas.microsoft.com/office/drawing/2014/main" id="{256046B5-F52E-EF80-5C67-2ED15A55C8E1}"/>
+                <a16:creationId xmlns:a16="http://schemas.microsoft.com/office/drawing/2014/main" id="{CDAECCED-DF8E-0223-2871-135C4B5AFFF3}"/>
               </a:ext>
             </a:extLst>
           </p:cNvPr>
@@ -3033,10 +3033,10 @@
       </p:pic>
       <p:pic>
         <p:nvPicPr>
-          <p:cNvPr id="22" name="Picture 21">
+          <p:cNvPr id="8" name="Picture 7">
             <a:extLst>
               <a:ext uri="{FF2B5EF4-FFF2-40B4-BE49-F238E27FC236}">
-                <a16:creationId xmlns:a16="http://schemas.microsoft.com/office/drawing/2014/main" id="{A9F72F79-D0D7-0174-6B93-90C983BFB58D}"/>
+                <a16:creationId xmlns:a16="http://schemas.microsoft.com/office/drawing/2014/main" id="{9ED457DC-FC3A-DEEE-FCAB-72C838F63408}"/>
               </a:ext>
             </a:extLst>
           </p:cNvPr>
@@ -3053,7 +3053,7 @@
         </p:blipFill>
         <p:spPr>
           <a:xfrm>
-            <a:off x="0" y="9326880"/>
+            <a:off x="0" y="6217920"/>
             <a:ext cx="7772400" cy="3108960"/>
           </a:xfrm>
           <a:prstGeom prst="rect">
@@ -3063,10 +3063,10 @@
       </p:pic>
       <p:pic>
         <p:nvPicPr>
-          <p:cNvPr id="3" name="Picture 2">
+          <p:cNvPr id="10" name="Picture 9">
             <a:extLst>
               <a:ext uri="{FF2B5EF4-FFF2-40B4-BE49-F238E27FC236}">
-                <a16:creationId xmlns:a16="http://schemas.microsoft.com/office/drawing/2014/main" id="{AC2551A8-6690-DA6B-8F2D-C63E75E2F7B8}"/>
+                <a16:creationId xmlns:a16="http://schemas.microsoft.com/office/drawing/2014/main" id="{835F3110-7BC1-4E1D-6457-0A203A136451}"/>
               </a:ext>
             </a:extLst>
           </p:cNvPr>
@@ -3083,7 +3083,7 @@
         </p:blipFill>
         <p:spPr>
           <a:xfrm>
-            <a:off x="0" y="0"/>
+            <a:off x="0" y="9327515"/>
             <a:ext cx="7772400" cy="3108960"/>
           </a:xfrm>
           <a:prstGeom prst="rect">
